--- a/Research/Racing Game/Racing Related games.pptx
+++ b/Research/Racing Game/Racing Related games.pptx
@@ -7,10 +7,17 @@
   <p:sldIdLst>
     <p:sldId id="256" r:id="rId2"/>
     <p:sldId id="257" r:id="rId3"/>
-    <p:sldId id="258" r:id="rId4"/>
-    <p:sldId id="260" r:id="rId5"/>
-    <p:sldId id="259" r:id="rId6"/>
-    <p:sldId id="261" r:id="rId7"/>
+    <p:sldId id="262" r:id="rId4"/>
+    <p:sldId id="263" r:id="rId5"/>
+    <p:sldId id="266" r:id="rId6"/>
+    <p:sldId id="267" r:id="rId7"/>
+    <p:sldId id="258" r:id="rId8"/>
+    <p:sldId id="264" r:id="rId9"/>
+    <p:sldId id="265" r:id="rId10"/>
+    <p:sldId id="268" r:id="rId11"/>
+    <p:sldId id="260" r:id="rId12"/>
+    <p:sldId id="259" r:id="rId13"/>
+    <p:sldId id="261" r:id="rId14"/>
   </p:sldIdLst>
   <p:sldSz cx="9144000" cy="6858000" type="screen4x3"/>
   <p:notesSz cx="6858000" cy="9144000"/>
@@ -293,7 +300,7 @@
           <a:p>
             <a:fld id="{978C4FC2-467E-4825-8A90-A62E7FAC45B9}" type="datetimeFigureOut">
               <a:rPr lang="en-GB" smtClean="0"/>
-              <a:t>02/10/2017</a:t>
+              <a:t>03/10/2017</a:t>
             </a:fld>
             <a:endParaRPr lang="en-GB"/>
           </a:p>
@@ -463,7 +470,7 @@
           <a:p>
             <a:fld id="{978C4FC2-467E-4825-8A90-A62E7FAC45B9}" type="datetimeFigureOut">
               <a:rPr lang="en-GB" smtClean="0"/>
-              <a:t>02/10/2017</a:t>
+              <a:t>03/10/2017</a:t>
             </a:fld>
             <a:endParaRPr lang="en-GB"/>
           </a:p>
@@ -643,7 +650,7 @@
           <a:p>
             <a:fld id="{978C4FC2-467E-4825-8A90-A62E7FAC45B9}" type="datetimeFigureOut">
               <a:rPr lang="en-GB" smtClean="0"/>
-              <a:t>02/10/2017</a:t>
+              <a:t>03/10/2017</a:t>
             </a:fld>
             <a:endParaRPr lang="en-GB"/>
           </a:p>
@@ -813,7 +820,7 @@
           <a:p>
             <a:fld id="{978C4FC2-467E-4825-8A90-A62E7FAC45B9}" type="datetimeFigureOut">
               <a:rPr lang="en-GB" smtClean="0"/>
-              <a:t>02/10/2017</a:t>
+              <a:t>03/10/2017</a:t>
             </a:fld>
             <a:endParaRPr lang="en-GB"/>
           </a:p>
@@ -1059,7 +1066,7 @@
           <a:p>
             <a:fld id="{978C4FC2-467E-4825-8A90-A62E7FAC45B9}" type="datetimeFigureOut">
               <a:rPr lang="en-GB" smtClean="0"/>
-              <a:t>02/10/2017</a:t>
+              <a:t>03/10/2017</a:t>
             </a:fld>
             <a:endParaRPr lang="en-GB"/>
           </a:p>
@@ -1347,7 +1354,7 @@
           <a:p>
             <a:fld id="{978C4FC2-467E-4825-8A90-A62E7FAC45B9}" type="datetimeFigureOut">
               <a:rPr lang="en-GB" smtClean="0"/>
-              <a:t>02/10/2017</a:t>
+              <a:t>03/10/2017</a:t>
             </a:fld>
             <a:endParaRPr lang="en-GB"/>
           </a:p>
@@ -1769,7 +1776,7 @@
           <a:p>
             <a:fld id="{978C4FC2-467E-4825-8A90-A62E7FAC45B9}" type="datetimeFigureOut">
               <a:rPr lang="en-GB" smtClean="0"/>
-              <a:t>02/10/2017</a:t>
+              <a:t>03/10/2017</a:t>
             </a:fld>
             <a:endParaRPr lang="en-GB"/>
           </a:p>
@@ -1887,7 +1894,7 @@
           <a:p>
             <a:fld id="{978C4FC2-467E-4825-8A90-A62E7FAC45B9}" type="datetimeFigureOut">
               <a:rPr lang="en-GB" smtClean="0"/>
-              <a:t>02/10/2017</a:t>
+              <a:t>03/10/2017</a:t>
             </a:fld>
             <a:endParaRPr lang="en-GB"/>
           </a:p>
@@ -1982,7 +1989,7 @@
           <a:p>
             <a:fld id="{978C4FC2-467E-4825-8A90-A62E7FAC45B9}" type="datetimeFigureOut">
               <a:rPr lang="en-GB" smtClean="0"/>
-              <a:t>02/10/2017</a:t>
+              <a:t>03/10/2017</a:t>
             </a:fld>
             <a:endParaRPr lang="en-GB"/>
           </a:p>
@@ -2259,7 +2266,7 @@
           <a:p>
             <a:fld id="{978C4FC2-467E-4825-8A90-A62E7FAC45B9}" type="datetimeFigureOut">
               <a:rPr lang="en-GB" smtClean="0"/>
-              <a:t>02/10/2017</a:t>
+              <a:t>03/10/2017</a:t>
             </a:fld>
             <a:endParaRPr lang="en-GB"/>
           </a:p>
@@ -2512,7 +2519,7 @@
           <a:p>
             <a:fld id="{978C4FC2-467E-4825-8A90-A62E7FAC45B9}" type="datetimeFigureOut">
               <a:rPr lang="en-GB" smtClean="0"/>
-              <a:t>02/10/2017</a:t>
+              <a:t>03/10/2017</a:t>
             </a:fld>
             <a:endParaRPr lang="en-GB"/>
           </a:p>
@@ -2725,7 +2732,7 @@
           <a:p>
             <a:fld id="{978C4FC2-467E-4825-8A90-A62E7FAC45B9}" type="datetimeFigureOut">
               <a:rPr lang="en-GB" smtClean="0"/>
-              <a:t>02/10/2017</a:t>
+              <a:t>03/10/2017</a:t>
             </a:fld>
             <a:endParaRPr lang="en-GB"/>
           </a:p>
@@ -3156,6 +3163,499 @@
     <p:extLst>
       <p:ext uri="{BB962C8B-B14F-4D97-AF65-F5344CB8AC3E}">
         <p14:creationId xmlns:p14="http://schemas.microsoft.com/office/powerpoint/2010/main" val="3595479322"/>
+      </p:ext>
+    </p:extLst>
+  </p:cSld>
+  <p:clrMapOvr>
+    <a:masterClrMapping/>
+  </p:clrMapOvr>
+</p:sld>
+</file>
+
+<file path=ppt/slides/slide10.xml><?xml version="1.0" encoding="utf-8"?>
+<p:sld xmlns:a="http://schemas.openxmlformats.org/drawingml/2006/main" xmlns:r="http://schemas.openxmlformats.org/officeDocument/2006/relationships" xmlns:p="http://schemas.openxmlformats.org/presentationml/2006/main">
+  <p:cSld>
+    <p:spTree>
+      <p:nvGrpSpPr>
+        <p:cNvPr id="1" name=""/>
+        <p:cNvGrpSpPr/>
+        <p:nvPr/>
+      </p:nvGrpSpPr>
+      <p:grpSpPr>
+        <a:xfrm>
+          <a:off x="0" y="0"/>
+          <a:ext cx="0" cy="0"/>
+          <a:chOff x="0" y="0"/>
+          <a:chExt cx="0" cy="0"/>
+        </a:xfrm>
+      </p:grpSpPr>
+      <p:sp>
+        <p:nvSpPr>
+          <p:cNvPr id="2" name="Title 1"/>
+          <p:cNvSpPr>
+            <a:spLocks noGrp="1"/>
+          </p:cNvSpPr>
+          <p:nvPr>
+            <p:ph type="title"/>
+          </p:nvPr>
+        </p:nvSpPr>
+        <p:spPr/>
+        <p:txBody>
+          <a:bodyPr/>
+          <a:lstStyle/>
+          <a:p>
+            <a:r>
+              <a:rPr lang="en-GB" dirty="0" smtClean="0"/>
+              <a:t>Possible Problems </a:t>
+            </a:r>
+            <a:endParaRPr lang="en-GB" dirty="0"/>
+          </a:p>
+        </p:txBody>
+      </p:sp>
+      <p:sp>
+        <p:nvSpPr>
+          <p:cNvPr id="3" name="Content Placeholder 2"/>
+          <p:cNvSpPr>
+            <a:spLocks noGrp="1"/>
+          </p:cNvSpPr>
+          <p:nvPr>
+            <p:ph idx="1"/>
+          </p:nvPr>
+        </p:nvSpPr>
+        <p:spPr/>
+        <p:txBody>
+          <a:bodyPr>
+            <a:normAutofit/>
+          </a:bodyPr>
+          <a:lstStyle/>
+          <a:p>
+            <a:r>
+              <a:rPr lang="en-GB" sz="2400" dirty="0" smtClean="0"/>
+              <a:t>Endless spawning of 3d environments can cause the file to be very large. </a:t>
+            </a:r>
+          </a:p>
+          <a:p>
+            <a:r>
+              <a:rPr lang="en-GB" sz="2400" dirty="0" smtClean="0"/>
+              <a:t>Animations of the cars turning can take a lot of time to complete</a:t>
+            </a:r>
+          </a:p>
+          <a:p>
+            <a:r>
+              <a:rPr lang="en-GB" sz="2400" dirty="0" smtClean="0"/>
+              <a:t>In game store can take a while to implement</a:t>
+            </a:r>
+          </a:p>
+          <a:p>
+            <a:endParaRPr lang="en-GB" sz="2400" dirty="0"/>
+          </a:p>
+        </p:txBody>
+      </p:sp>
+    </p:spTree>
+    <p:extLst>
+      <p:ext uri="{BB962C8B-B14F-4D97-AF65-F5344CB8AC3E}">
+        <p14:creationId xmlns:p14="http://schemas.microsoft.com/office/powerpoint/2010/main" val="4093666579"/>
+      </p:ext>
+    </p:extLst>
+  </p:cSld>
+  <p:clrMapOvr>
+    <a:masterClrMapping/>
+  </p:clrMapOvr>
+</p:sld>
+</file>
+
+<file path=ppt/slides/slide11.xml><?xml version="1.0" encoding="utf-8"?>
+<p:sld xmlns:a="http://schemas.openxmlformats.org/drawingml/2006/main" xmlns:r="http://schemas.openxmlformats.org/officeDocument/2006/relationships" xmlns:p="http://schemas.openxmlformats.org/presentationml/2006/main">
+  <p:cSld>
+    <p:spTree>
+      <p:nvGrpSpPr>
+        <p:cNvPr id="1" name=""/>
+        <p:cNvGrpSpPr/>
+        <p:nvPr/>
+      </p:nvGrpSpPr>
+      <p:grpSpPr>
+        <a:xfrm>
+          <a:off x="0" y="0"/>
+          <a:ext cx="0" cy="0"/>
+          <a:chOff x="0" y="0"/>
+          <a:chExt cx="0" cy="0"/>
+        </a:xfrm>
+      </p:grpSpPr>
+      <p:sp>
+        <p:nvSpPr>
+          <p:cNvPr id="2" name="Title 1"/>
+          <p:cNvSpPr>
+            <a:spLocks noGrp="1"/>
+          </p:cNvSpPr>
+          <p:nvPr>
+            <p:ph type="title"/>
+          </p:nvPr>
+        </p:nvSpPr>
+        <p:spPr/>
+        <p:txBody>
+          <a:bodyPr/>
+          <a:lstStyle/>
+          <a:p>
+            <a:r>
+              <a:rPr lang="en-GB" dirty="0" smtClean="0"/>
+              <a:t>Game Demographics 2014</a:t>
+            </a:r>
+            <a:endParaRPr lang="en-GB" dirty="0"/>
+          </a:p>
+        </p:txBody>
+      </p:sp>
+      <p:sp>
+        <p:nvSpPr>
+          <p:cNvPr id="3" name="Content Placeholder 2"/>
+          <p:cNvSpPr>
+            <a:spLocks noGrp="1"/>
+          </p:cNvSpPr>
+          <p:nvPr>
+            <p:ph idx="1"/>
+          </p:nvPr>
+        </p:nvSpPr>
+        <p:spPr/>
+        <p:txBody>
+          <a:bodyPr>
+            <a:normAutofit/>
+          </a:bodyPr>
+          <a:lstStyle/>
+          <a:p>
+            <a:r>
+              <a:rPr lang="en-GB" sz="2000" dirty="0" smtClean="0"/>
+              <a:t>47% of gamers are women in America</a:t>
+            </a:r>
+          </a:p>
+          <a:p>
+            <a:r>
+              <a:rPr lang="en-GB" sz="2000" dirty="0" smtClean="0"/>
+              <a:t>29% of gamers are over the age of 50 years old</a:t>
+            </a:r>
+          </a:p>
+          <a:p>
+            <a:r>
+              <a:rPr lang="en-GB" sz="2000" dirty="0" smtClean="0"/>
+              <a:t>16% of gamer kids play with parents</a:t>
+            </a:r>
+          </a:p>
+          <a:p>
+            <a:r>
+              <a:rPr lang="en-GB" sz="2000" dirty="0" smtClean="0"/>
+              <a:t>40% of gamer kids with friends</a:t>
+            </a:r>
+          </a:p>
+          <a:p>
+            <a:r>
+              <a:rPr lang="en-GB" sz="2000" dirty="0" smtClean="0"/>
+              <a:t>17% play with their spouse or carer </a:t>
+            </a:r>
+          </a:p>
+          <a:p>
+            <a:r>
+              <a:rPr lang="en-GB" sz="2000" dirty="0" smtClean="0"/>
+              <a:t>89% of parents watch over what there children purchase on games</a:t>
+            </a:r>
+          </a:p>
+          <a:p>
+            <a:r>
+              <a:rPr lang="en-GB" sz="2000" dirty="0"/>
+              <a:t>Average age of </a:t>
+            </a:r>
+            <a:r>
+              <a:rPr lang="en-GB" sz="2000" dirty="0" smtClean="0"/>
+              <a:t>players in America is 30 years old and 35 for the UK</a:t>
+            </a:r>
+          </a:p>
+          <a:p>
+            <a:r>
+              <a:rPr lang="en-GB" sz="2000" dirty="0"/>
+              <a:t>36% play games on their smart </a:t>
+            </a:r>
+            <a:r>
+              <a:rPr lang="en-GB" sz="2000" dirty="0" smtClean="0"/>
+              <a:t>phone/Tablet</a:t>
+            </a:r>
+          </a:p>
+          <a:p>
+            <a:r>
+              <a:rPr lang="en-GB" sz="2000" dirty="0" smtClean="0"/>
+              <a:t>32% of players are 18 years of age or less</a:t>
+            </a:r>
+          </a:p>
+          <a:p>
+            <a:endParaRPr lang="en-GB" sz="2000" dirty="0" smtClean="0"/>
+          </a:p>
+          <a:p>
+            <a:endParaRPr lang="en-GB" sz="2000" dirty="0" smtClean="0"/>
+          </a:p>
+          <a:p>
+            <a:endParaRPr lang="en-GB" sz="2000" dirty="0" smtClean="0"/>
+          </a:p>
+          <a:p>
+            <a:endParaRPr lang="en-GB" sz="2000" dirty="0" smtClean="0"/>
+          </a:p>
+          <a:p>
+            <a:endParaRPr lang="en-GB" sz="2000" dirty="0" smtClean="0"/>
+          </a:p>
+          <a:p>
+            <a:endParaRPr lang="en-GB" sz="2000" dirty="0" smtClean="0"/>
+          </a:p>
+          <a:p>
+            <a:endParaRPr lang="en-GB" sz="2000" dirty="0"/>
+          </a:p>
+        </p:txBody>
+      </p:sp>
+    </p:spTree>
+    <p:extLst>
+      <p:ext uri="{BB962C8B-B14F-4D97-AF65-F5344CB8AC3E}">
+        <p14:creationId xmlns:p14="http://schemas.microsoft.com/office/powerpoint/2010/main" val="3037706538"/>
+      </p:ext>
+    </p:extLst>
+  </p:cSld>
+  <p:clrMapOvr>
+    <a:masterClrMapping/>
+  </p:clrMapOvr>
+</p:sld>
+</file>
+
+<file path=ppt/slides/slide12.xml><?xml version="1.0" encoding="utf-8"?>
+<p:sld xmlns:a="http://schemas.openxmlformats.org/drawingml/2006/main" xmlns:r="http://schemas.openxmlformats.org/officeDocument/2006/relationships" xmlns:p="http://schemas.openxmlformats.org/presentationml/2006/main">
+  <p:cSld>
+    <p:spTree>
+      <p:nvGrpSpPr>
+        <p:cNvPr id="1" name=""/>
+        <p:cNvGrpSpPr/>
+        <p:nvPr/>
+      </p:nvGrpSpPr>
+      <p:grpSpPr>
+        <a:xfrm>
+          <a:off x="0" y="0"/>
+          <a:ext cx="0" cy="0"/>
+          <a:chOff x="0" y="0"/>
+          <a:chExt cx="0" cy="0"/>
+        </a:xfrm>
+      </p:grpSpPr>
+      <p:sp>
+        <p:nvSpPr>
+          <p:cNvPr id="2" name="Title 1"/>
+          <p:cNvSpPr>
+            <a:spLocks noGrp="1"/>
+          </p:cNvSpPr>
+          <p:nvPr>
+            <p:ph type="title"/>
+          </p:nvPr>
+        </p:nvSpPr>
+        <p:spPr/>
+        <p:txBody>
+          <a:bodyPr/>
+          <a:lstStyle/>
+          <a:p>
+            <a:r>
+              <a:rPr lang="en-GB" dirty="0" smtClean="0"/>
+              <a:t>Game Demographics 2015  </a:t>
+            </a:r>
+            <a:endParaRPr lang="en-GB" dirty="0"/>
+          </a:p>
+        </p:txBody>
+      </p:sp>
+      <p:sp>
+        <p:nvSpPr>
+          <p:cNvPr id="3" name="Content Placeholder 2"/>
+          <p:cNvSpPr>
+            <a:spLocks noGrp="1"/>
+          </p:cNvSpPr>
+          <p:nvPr>
+            <p:ph idx="1"/>
+          </p:nvPr>
+        </p:nvSpPr>
+        <p:spPr/>
+        <p:txBody>
+          <a:bodyPr>
+            <a:normAutofit/>
+          </a:bodyPr>
+          <a:lstStyle/>
+          <a:p>
+            <a:r>
+              <a:rPr lang="en-GB" sz="2000" dirty="0" smtClean="0"/>
+              <a:t>29% of gamers are 18 years old or less</a:t>
+            </a:r>
+          </a:p>
+          <a:p>
+            <a:r>
+              <a:rPr lang="en-GB" sz="2000" dirty="0" smtClean="0"/>
+              <a:t>The average age of gamers in America are 31 years old</a:t>
+            </a:r>
+          </a:p>
+          <a:p>
+            <a:r>
+              <a:rPr lang="en-GB" sz="2000" dirty="0" smtClean="0"/>
+              <a:t>74% of teachers use game related methods to teach.</a:t>
+            </a:r>
+          </a:p>
+          <a:p>
+            <a:r>
+              <a:rPr lang="en-GB" sz="2000" dirty="0" smtClean="0"/>
+              <a:t>48% of gamers in America are female and male is 52%</a:t>
+            </a:r>
+          </a:p>
+          <a:p>
+            <a:r>
+              <a:rPr lang="en-GB" sz="2000" dirty="0" smtClean="0"/>
+              <a:t>In the UK female games has risen to 52%. </a:t>
+            </a:r>
+          </a:p>
+          <a:p>
+            <a:r>
+              <a:rPr lang="en-GB" sz="2000" dirty="0" smtClean="0"/>
+              <a:t>Mobile games made 30.3 billion dollars</a:t>
+            </a:r>
+          </a:p>
+          <a:p>
+            <a:r>
+              <a:rPr lang="en-GB" sz="2000" dirty="0" smtClean="0"/>
+              <a:t>Ages 35-44 spent the most on games ($6 per person per month)</a:t>
+            </a:r>
+          </a:p>
+          <a:p>
+            <a:r>
+              <a:rPr lang="en-GB" sz="2000" dirty="0" smtClean="0"/>
+              <a:t>YouTube gaming channels make 3.5 billion </a:t>
+            </a:r>
+          </a:p>
+          <a:p>
+            <a:r>
+              <a:rPr lang="en-GB" sz="2000" dirty="0" smtClean="0"/>
+              <a:t>71 million people watch competitive gaming</a:t>
+            </a:r>
+          </a:p>
+          <a:p>
+            <a:endParaRPr lang="en-GB" sz="2000" dirty="0" smtClean="0"/>
+          </a:p>
+          <a:p>
+            <a:endParaRPr lang="en-GB" sz="2000" dirty="0"/>
+          </a:p>
+        </p:txBody>
+      </p:sp>
+    </p:spTree>
+    <p:extLst>
+      <p:ext uri="{BB962C8B-B14F-4D97-AF65-F5344CB8AC3E}">
+        <p14:creationId xmlns:p14="http://schemas.microsoft.com/office/powerpoint/2010/main" val="900284867"/>
+      </p:ext>
+    </p:extLst>
+  </p:cSld>
+  <p:clrMapOvr>
+    <a:masterClrMapping/>
+  </p:clrMapOvr>
+</p:sld>
+</file>
+
+<file path=ppt/slides/slide13.xml><?xml version="1.0" encoding="utf-8"?>
+<p:sld xmlns:a="http://schemas.openxmlformats.org/drawingml/2006/main" xmlns:r="http://schemas.openxmlformats.org/officeDocument/2006/relationships" xmlns:p="http://schemas.openxmlformats.org/presentationml/2006/main">
+  <p:cSld>
+    <p:spTree>
+      <p:nvGrpSpPr>
+        <p:cNvPr id="1" name=""/>
+        <p:cNvGrpSpPr/>
+        <p:nvPr/>
+      </p:nvGrpSpPr>
+      <p:grpSpPr>
+        <a:xfrm>
+          <a:off x="0" y="0"/>
+          <a:ext cx="0" cy="0"/>
+          <a:chOff x="0" y="0"/>
+          <a:chExt cx="0" cy="0"/>
+        </a:xfrm>
+      </p:grpSpPr>
+      <p:sp>
+        <p:nvSpPr>
+          <p:cNvPr id="2" name="Title 1"/>
+          <p:cNvSpPr>
+            <a:spLocks noGrp="1"/>
+          </p:cNvSpPr>
+          <p:nvPr>
+            <p:ph type="title"/>
+          </p:nvPr>
+        </p:nvSpPr>
+        <p:spPr/>
+        <p:txBody>
+          <a:bodyPr>
+            <a:normAutofit/>
+          </a:bodyPr>
+          <a:lstStyle/>
+          <a:p>
+            <a:r>
+              <a:rPr lang="en-GB" sz="4000" dirty="0" smtClean="0"/>
+              <a:t>Recommended Target Audience</a:t>
+            </a:r>
+            <a:endParaRPr lang="en-GB" sz="4000" dirty="0"/>
+          </a:p>
+        </p:txBody>
+      </p:sp>
+      <p:sp>
+        <p:nvSpPr>
+          <p:cNvPr id="3" name="Content Placeholder 2"/>
+          <p:cNvSpPr>
+            <a:spLocks noGrp="1"/>
+          </p:cNvSpPr>
+          <p:nvPr>
+            <p:ph idx="1"/>
+          </p:nvPr>
+        </p:nvSpPr>
+        <p:spPr/>
+        <p:txBody>
+          <a:bodyPr/>
+          <a:lstStyle/>
+          <a:p>
+            <a:r>
+              <a:rPr lang="en-GB" dirty="0" smtClean="0"/>
+              <a:t>Male and Female gamers aged between 25-35 who play on </a:t>
+            </a:r>
+            <a:r>
+              <a:rPr lang="en-GB" smtClean="0"/>
+              <a:t>their phones/tablets.</a:t>
+            </a:r>
+            <a:endParaRPr lang="en-GB" dirty="0" smtClean="0"/>
+          </a:p>
+          <a:p>
+            <a:pPr marL="0" indent="0">
+              <a:buNone/>
+            </a:pPr>
+            <a:endParaRPr lang="en-GB" dirty="0" smtClean="0"/>
+          </a:p>
+          <a:p>
+            <a:r>
+              <a:rPr lang="en-GB" sz="2400" dirty="0" smtClean="0"/>
+              <a:t>This is due to:</a:t>
+            </a:r>
+          </a:p>
+          <a:p>
+            <a:r>
+              <a:rPr lang="en-GB" sz="2400" dirty="0" smtClean="0"/>
+              <a:t>The average gamer age in the US and UK</a:t>
+            </a:r>
+          </a:p>
+          <a:p>
+            <a:r>
+              <a:rPr lang="en-GB" sz="2400" dirty="0" smtClean="0"/>
+              <a:t>Male and Female gamers ratio is even</a:t>
+            </a:r>
+            <a:endParaRPr lang="en-GB" dirty="0" smtClean="0"/>
+          </a:p>
+          <a:p>
+            <a:r>
+              <a:rPr lang="en-GB" sz="2400" dirty="0" smtClean="0"/>
+              <a:t>Mobile apps are more profitable</a:t>
+            </a:r>
+          </a:p>
+          <a:p>
+            <a:endParaRPr lang="en-GB" sz="2400" dirty="0" smtClean="0"/>
+          </a:p>
+        </p:txBody>
+      </p:sp>
+    </p:spTree>
+    <p:extLst>
+      <p:ext uri="{BB962C8B-B14F-4D97-AF65-F5344CB8AC3E}">
+        <p14:creationId xmlns:p14="http://schemas.microsoft.com/office/powerpoint/2010/main" val="1981688946"/>
       </p:ext>
     </p:extLst>
   </p:cSld>
@@ -3628,109 +4128,9 @@
           <a:lstStyle/>
           <a:p>
             <a:r>
-              <a:rPr lang="en-GB" dirty="0" smtClean="0">
-                <a:solidFill>
-                  <a:srgbClr val="FF0000"/>
-                </a:solidFill>
-              </a:rPr>
-              <a:t>Birds Eye </a:t>
-            </a:r>
-            <a:r>
-              <a:rPr lang="en-GB" dirty="0">
-                <a:solidFill>
-                  <a:srgbClr val="FF0000"/>
-                </a:solidFill>
-              </a:rPr>
-              <a:t>V</a:t>
-            </a:r>
-            <a:r>
-              <a:rPr lang="en-GB" dirty="0" smtClean="0">
-                <a:solidFill>
-                  <a:srgbClr val="FF0000"/>
-                </a:solidFill>
-              </a:rPr>
-              <a:t>iew Racing Games</a:t>
-            </a:r>
-            <a:endParaRPr lang="en-GB" dirty="0">
-              <a:solidFill>
-                <a:srgbClr val="FF0000"/>
-              </a:solidFill>
-            </a:endParaRPr>
-          </a:p>
-        </p:txBody>
-      </p:sp>
-      <p:sp>
-        <p:nvSpPr>
-          <p:cNvPr id="3" name="Content Placeholder 2"/>
-          <p:cNvSpPr>
-            <a:spLocks noGrp="1"/>
-          </p:cNvSpPr>
-          <p:nvPr>
-            <p:ph idx="1"/>
-          </p:nvPr>
-        </p:nvSpPr>
-        <p:spPr/>
-        <p:txBody>
-          <a:bodyPr/>
-          <a:lstStyle/>
-          <a:p>
-            <a:r>
-              <a:rPr lang="en-GB" sz="2400" dirty="0" smtClean="0">
-                <a:solidFill>
-                  <a:srgbClr val="FF0000"/>
-                </a:solidFill>
-              </a:rPr>
-              <a:t>These games are mostly 2d pixelated games. They include:</a:t>
-            </a:r>
-          </a:p>
-          <a:p>
-            <a:r>
-              <a:rPr lang="en-GB" sz="2400" dirty="0" smtClean="0">
-                <a:solidFill>
-                  <a:srgbClr val="FF0000"/>
-                </a:solidFill>
-              </a:rPr>
-              <a:t>Endless runner high score wins</a:t>
-            </a:r>
-          </a:p>
-          <a:p>
-            <a:r>
-              <a:rPr lang="en-GB" sz="2400" dirty="0" smtClean="0">
-                <a:solidFill>
-                  <a:srgbClr val="FF0000"/>
-                </a:solidFill>
-              </a:rPr>
-              <a:t>Circuit race for up to 8 racers</a:t>
-            </a:r>
-          </a:p>
-          <a:p>
-            <a:r>
-              <a:rPr lang="en-GB" sz="2400" dirty="0" smtClean="0">
-                <a:solidFill>
-                  <a:srgbClr val="FF0000"/>
-                </a:solidFill>
-              </a:rPr>
-              <a:t>Oval racing till gas runs out</a:t>
-            </a:r>
-          </a:p>
-          <a:p>
-            <a:r>
-              <a:rPr lang="en-GB" sz="2400" dirty="0" smtClean="0">
-                <a:solidFill>
-                  <a:srgbClr val="FF0000"/>
-                </a:solidFill>
-              </a:rPr>
-              <a:t>Race and destroy opponents cars</a:t>
-            </a:r>
-          </a:p>
-          <a:p>
-            <a:endParaRPr lang="en-GB" dirty="0" smtClean="0">
-              <a:solidFill>
-                <a:srgbClr val="FFFF00"/>
-              </a:solidFill>
-            </a:endParaRPr>
-          </a:p>
-          <a:p>
+              <a:rPr lang="en-GB" dirty="0" smtClean="0"/>
+              <a:t>Birds Eye View Mood board</a:t>
+            </a:r>
             <a:endParaRPr lang="en-GB" dirty="0"/>
           </a:p>
         </p:txBody>
@@ -3749,6 +4149,504 @@
 </file>
 
 <file path=ppt/slides/slide3.xml><?xml version="1.0" encoding="utf-8"?>
+<p:sld xmlns:a="http://schemas.openxmlformats.org/drawingml/2006/main" xmlns:r="http://schemas.openxmlformats.org/officeDocument/2006/relationships" xmlns:p="http://schemas.openxmlformats.org/presentationml/2006/main">
+  <p:cSld>
+    <p:spTree>
+      <p:nvGrpSpPr>
+        <p:cNvPr id="1" name=""/>
+        <p:cNvGrpSpPr/>
+        <p:nvPr/>
+      </p:nvGrpSpPr>
+      <p:grpSpPr>
+        <a:xfrm>
+          <a:off x="0" y="0"/>
+          <a:ext cx="0" cy="0"/>
+          <a:chOff x="0" y="0"/>
+          <a:chExt cx="0" cy="0"/>
+        </a:xfrm>
+      </p:grpSpPr>
+      <p:sp>
+        <p:nvSpPr>
+          <p:cNvPr id="2" name="Title 1"/>
+          <p:cNvSpPr>
+            <a:spLocks noGrp="1"/>
+          </p:cNvSpPr>
+          <p:nvPr>
+            <p:ph type="title"/>
+          </p:nvPr>
+        </p:nvSpPr>
+        <p:spPr/>
+        <p:txBody>
+          <a:bodyPr/>
+          <a:lstStyle/>
+          <a:p>
+            <a:r>
+              <a:rPr lang="en-GB" dirty="0" smtClean="0"/>
+              <a:t>Birdy Eye View Analysis</a:t>
+            </a:r>
+            <a:endParaRPr lang="en-GB" dirty="0"/>
+          </a:p>
+        </p:txBody>
+      </p:sp>
+      <p:sp>
+        <p:nvSpPr>
+          <p:cNvPr id="3" name="Content Placeholder 2"/>
+          <p:cNvSpPr>
+            <a:spLocks noGrp="1"/>
+          </p:cNvSpPr>
+          <p:nvPr>
+            <p:ph idx="1"/>
+          </p:nvPr>
+        </p:nvSpPr>
+        <p:spPr/>
+        <p:txBody>
+          <a:bodyPr/>
+          <a:lstStyle/>
+          <a:p>
+            <a:r>
+              <a:rPr lang="en-GB" sz="2400" dirty="0"/>
+              <a:t>These games are mostly 2d pixelated games. They include:</a:t>
+            </a:r>
+          </a:p>
+          <a:p>
+            <a:r>
+              <a:rPr lang="en-GB" sz="2400" dirty="0"/>
+              <a:t>Endless runner high </a:t>
+            </a:r>
+            <a:r>
+              <a:rPr lang="en-GB" sz="2400" dirty="0" smtClean="0"/>
+              <a:t>scores</a:t>
+            </a:r>
+            <a:endParaRPr lang="en-GB" sz="2400" dirty="0"/>
+          </a:p>
+          <a:p>
+            <a:r>
+              <a:rPr lang="en-GB" sz="2400" dirty="0"/>
+              <a:t>Circuit race for up to 8 racers</a:t>
+            </a:r>
+          </a:p>
+          <a:p>
+            <a:r>
+              <a:rPr lang="en-GB" sz="2400" dirty="0"/>
+              <a:t>Oval racing till </a:t>
+            </a:r>
+            <a:r>
+              <a:rPr lang="en-GB" sz="2400" dirty="0" smtClean="0"/>
+              <a:t>fuel </a:t>
+            </a:r>
+            <a:r>
+              <a:rPr lang="en-GB" sz="2400" dirty="0"/>
+              <a:t>runs </a:t>
+            </a:r>
+            <a:r>
+              <a:rPr lang="en-GB" sz="2400" dirty="0" smtClean="0"/>
+              <a:t>out (endurance)</a:t>
+            </a:r>
+          </a:p>
+          <a:p>
+            <a:r>
+              <a:rPr lang="en-GB" sz="2400" dirty="0" smtClean="0"/>
+              <a:t>Vast majority of games are single player</a:t>
+            </a:r>
+          </a:p>
+          <a:p>
+            <a:endParaRPr lang="en-GB" sz="2000" dirty="0" smtClean="0"/>
+          </a:p>
+          <a:p>
+            <a:endParaRPr lang="en-GB" sz="2000" dirty="0" smtClean="0"/>
+          </a:p>
+          <a:p>
+            <a:endParaRPr lang="en-GB" sz="2000" dirty="0">
+              <a:solidFill>
+                <a:srgbClr val="FF0000"/>
+              </a:solidFill>
+            </a:endParaRPr>
+          </a:p>
+          <a:p>
+            <a:endParaRPr lang="en-GB" dirty="0"/>
+          </a:p>
+        </p:txBody>
+      </p:sp>
+    </p:spTree>
+    <p:extLst>
+      <p:ext uri="{BB962C8B-B14F-4D97-AF65-F5344CB8AC3E}">
+        <p14:creationId xmlns:p14="http://schemas.microsoft.com/office/powerpoint/2010/main" val="2780885536"/>
+      </p:ext>
+    </p:extLst>
+  </p:cSld>
+  <p:clrMapOvr>
+    <a:masterClrMapping/>
+  </p:clrMapOvr>
+</p:sld>
+</file>
+
+<file path=ppt/slides/slide4.xml><?xml version="1.0" encoding="utf-8"?>
+<p:sld xmlns:a="http://schemas.openxmlformats.org/drawingml/2006/main" xmlns:r="http://schemas.openxmlformats.org/officeDocument/2006/relationships" xmlns:p="http://schemas.openxmlformats.org/presentationml/2006/main">
+  <p:cSld>
+    <p:spTree>
+      <p:nvGrpSpPr>
+        <p:cNvPr id="1" name=""/>
+        <p:cNvGrpSpPr/>
+        <p:nvPr/>
+      </p:nvGrpSpPr>
+      <p:grpSpPr>
+        <a:xfrm>
+          <a:off x="0" y="0"/>
+          <a:ext cx="0" cy="0"/>
+          <a:chOff x="0" y="0"/>
+          <a:chExt cx="0" cy="0"/>
+        </a:xfrm>
+      </p:grpSpPr>
+      <p:sp>
+        <p:nvSpPr>
+          <p:cNvPr id="2" name="Title 1"/>
+          <p:cNvSpPr>
+            <a:spLocks noGrp="1"/>
+          </p:cNvSpPr>
+          <p:nvPr>
+            <p:ph type="title"/>
+          </p:nvPr>
+        </p:nvSpPr>
+        <p:spPr/>
+        <p:txBody>
+          <a:bodyPr/>
+          <a:lstStyle/>
+          <a:p>
+            <a:r>
+              <a:rPr lang="en-GB" dirty="0" smtClean="0"/>
+              <a:t>Unique Properties</a:t>
+            </a:r>
+            <a:endParaRPr lang="en-GB" dirty="0"/>
+          </a:p>
+        </p:txBody>
+      </p:sp>
+      <p:sp>
+        <p:nvSpPr>
+          <p:cNvPr id="3" name="Content Placeholder 2"/>
+          <p:cNvSpPr>
+            <a:spLocks noGrp="1"/>
+          </p:cNvSpPr>
+          <p:nvPr>
+            <p:ph idx="1"/>
+          </p:nvPr>
+        </p:nvSpPr>
+        <p:spPr/>
+        <p:txBody>
+          <a:bodyPr>
+            <a:normAutofit/>
+          </a:bodyPr>
+          <a:lstStyle/>
+          <a:p>
+            <a:r>
+              <a:rPr lang="en-GB" sz="2400" dirty="0" smtClean="0"/>
+              <a:t>Different types of HUD’s available, they include:</a:t>
+            </a:r>
+          </a:p>
+          <a:p>
+            <a:r>
+              <a:rPr lang="en-GB" sz="2000" dirty="0" smtClean="0"/>
+              <a:t>Time limit</a:t>
+            </a:r>
+          </a:p>
+          <a:p>
+            <a:r>
+              <a:rPr lang="en-GB" sz="2000" dirty="0" smtClean="0"/>
+              <a:t>High score</a:t>
+            </a:r>
+          </a:p>
+          <a:p>
+            <a:r>
+              <a:rPr lang="en-GB" sz="2000" dirty="0" smtClean="0"/>
+              <a:t>Engine temperature</a:t>
+            </a:r>
+          </a:p>
+          <a:p>
+            <a:r>
+              <a:rPr lang="en-GB" sz="2000" dirty="0" smtClean="0"/>
+              <a:t>Boost/ health and damage bars</a:t>
+            </a:r>
+          </a:p>
+          <a:p>
+            <a:r>
+              <a:rPr lang="en-GB" sz="2000" dirty="0" smtClean="0"/>
+              <a:t>Time limit</a:t>
+            </a:r>
+          </a:p>
+          <a:p>
+            <a:r>
+              <a:rPr lang="en-GB" sz="2400" dirty="0" smtClean="0"/>
+              <a:t>The flexibly of add </a:t>
+            </a:r>
+            <a:r>
+              <a:rPr lang="en-GB" sz="2400" dirty="0" err="1" smtClean="0"/>
+              <a:t>ons</a:t>
+            </a:r>
+            <a:r>
+              <a:rPr lang="en-GB" sz="2400" dirty="0" smtClean="0"/>
+              <a:t>  we can have</a:t>
+            </a:r>
+          </a:p>
+          <a:p>
+            <a:r>
+              <a:rPr lang="en-GB" sz="2400" dirty="0"/>
+              <a:t>The developer can make the game 2.5D with the cars being 2D and the environment being 3D</a:t>
+            </a:r>
+          </a:p>
+          <a:p>
+            <a:r>
+              <a:rPr lang="en-GB" sz="2400" dirty="0" smtClean="0"/>
+              <a:t>Car customisation</a:t>
+            </a:r>
+          </a:p>
+          <a:p>
+            <a:r>
+              <a:rPr lang="en-GB" sz="2400" dirty="0" smtClean="0"/>
+              <a:t>Random spawning of obstacles and power ups </a:t>
+            </a:r>
+            <a:endParaRPr lang="en-GB" sz="2400" dirty="0" smtClean="0"/>
+          </a:p>
+          <a:p>
+            <a:endParaRPr lang="en-GB" sz="2400" dirty="0" smtClean="0"/>
+          </a:p>
+          <a:p>
+            <a:endParaRPr lang="en-GB" sz="2400" dirty="0" smtClean="0"/>
+          </a:p>
+          <a:p>
+            <a:endParaRPr lang="en-GB" sz="2400" dirty="0" smtClean="0"/>
+          </a:p>
+          <a:p>
+            <a:endParaRPr lang="en-GB" sz="2000" dirty="0" smtClean="0"/>
+          </a:p>
+          <a:p>
+            <a:endParaRPr lang="en-GB" sz="2400" dirty="0" smtClean="0"/>
+          </a:p>
+          <a:p>
+            <a:endParaRPr lang="en-GB" sz="2400" dirty="0"/>
+          </a:p>
+        </p:txBody>
+      </p:sp>
+    </p:spTree>
+    <p:extLst>
+      <p:ext uri="{BB962C8B-B14F-4D97-AF65-F5344CB8AC3E}">
+        <p14:creationId xmlns:p14="http://schemas.microsoft.com/office/powerpoint/2010/main" val="1963006044"/>
+      </p:ext>
+    </p:extLst>
+  </p:cSld>
+  <p:clrMapOvr>
+    <a:masterClrMapping/>
+  </p:clrMapOvr>
+</p:sld>
+</file>
+
+<file path=ppt/slides/slide5.xml><?xml version="1.0" encoding="utf-8"?>
+<p:sld xmlns:a="http://schemas.openxmlformats.org/drawingml/2006/main" xmlns:r="http://schemas.openxmlformats.org/officeDocument/2006/relationships" xmlns:p="http://schemas.openxmlformats.org/presentationml/2006/main">
+  <p:cSld>
+    <p:spTree>
+      <p:nvGrpSpPr>
+        <p:cNvPr id="1" name=""/>
+        <p:cNvGrpSpPr/>
+        <p:nvPr/>
+      </p:nvGrpSpPr>
+      <p:grpSpPr>
+        <a:xfrm>
+          <a:off x="0" y="0"/>
+          <a:ext cx="0" cy="0"/>
+          <a:chOff x="0" y="0"/>
+          <a:chExt cx="0" cy="0"/>
+        </a:xfrm>
+      </p:grpSpPr>
+      <p:sp>
+        <p:nvSpPr>
+          <p:cNvPr id="2" name="Title 1"/>
+          <p:cNvSpPr>
+            <a:spLocks noGrp="1"/>
+          </p:cNvSpPr>
+          <p:nvPr>
+            <p:ph type="title"/>
+          </p:nvPr>
+        </p:nvSpPr>
+        <p:spPr/>
+        <p:txBody>
+          <a:bodyPr/>
+          <a:lstStyle/>
+          <a:p>
+            <a:r>
+              <a:rPr lang="en-GB" dirty="0" smtClean="0"/>
+              <a:t>Possible Problems</a:t>
+            </a:r>
+            <a:endParaRPr lang="en-GB" dirty="0"/>
+          </a:p>
+        </p:txBody>
+      </p:sp>
+      <p:sp>
+        <p:nvSpPr>
+          <p:cNvPr id="3" name="Content Placeholder 2"/>
+          <p:cNvSpPr>
+            <a:spLocks noGrp="1"/>
+          </p:cNvSpPr>
+          <p:nvPr>
+            <p:ph idx="1"/>
+          </p:nvPr>
+        </p:nvSpPr>
+        <p:spPr/>
+        <p:txBody>
+          <a:bodyPr>
+            <a:normAutofit/>
+          </a:bodyPr>
+          <a:lstStyle/>
+          <a:p>
+            <a:r>
+              <a:rPr lang="en-GB" sz="2400" dirty="0" smtClean="0"/>
+              <a:t>These types of games are very common on free game online websites such as </a:t>
+            </a:r>
+            <a:r>
+              <a:rPr lang="en-GB" sz="2400" dirty="0" err="1" smtClean="0"/>
+              <a:t>miniclip</a:t>
+            </a:r>
+            <a:r>
+              <a:rPr lang="en-GB" sz="2400" dirty="0" smtClean="0"/>
+              <a:t> and </a:t>
+            </a:r>
+            <a:r>
+              <a:rPr lang="en-GB" sz="2400" dirty="0" err="1" smtClean="0"/>
+              <a:t>kongregate</a:t>
+            </a:r>
+            <a:r>
+              <a:rPr lang="en-GB" sz="2400" dirty="0" smtClean="0"/>
+              <a:t> meaning we’ll have to find an very specific unique mechanic in the game in order to stand out from the rest</a:t>
+            </a:r>
+            <a:r>
+              <a:rPr lang="en-GB" sz="2400" dirty="0" smtClean="0"/>
+              <a:t>.</a:t>
+            </a:r>
+          </a:p>
+          <a:p>
+            <a:r>
+              <a:rPr lang="en-GB" sz="2400" dirty="0" smtClean="0"/>
+              <a:t>Randomly spawning scenes</a:t>
+            </a:r>
+            <a:endParaRPr lang="en-GB" sz="2400" dirty="0"/>
+          </a:p>
+          <a:p>
+            <a:r>
+              <a:rPr lang="en-GB" sz="2400" dirty="0" smtClean="0"/>
+              <a:t>The possibility of needed an AI </a:t>
+            </a:r>
+            <a:r>
+              <a:rPr lang="en-GB" sz="2400" dirty="0" smtClean="0"/>
+              <a:t>system</a:t>
+            </a:r>
+            <a:endParaRPr lang="en-GB" sz="2400" dirty="0"/>
+          </a:p>
+          <a:p>
+            <a:r>
+              <a:rPr lang="en-GB" sz="2400" dirty="0" smtClean="0"/>
+              <a:t>The possibility of having HUD related issues with the player if it is to heavily populated</a:t>
+            </a:r>
+          </a:p>
+          <a:p>
+            <a:endParaRPr lang="en-GB" sz="2400" dirty="0"/>
+          </a:p>
+        </p:txBody>
+      </p:sp>
+    </p:spTree>
+    <p:extLst>
+      <p:ext uri="{BB962C8B-B14F-4D97-AF65-F5344CB8AC3E}">
+        <p14:creationId xmlns:p14="http://schemas.microsoft.com/office/powerpoint/2010/main" val="629308377"/>
+      </p:ext>
+    </p:extLst>
+  </p:cSld>
+  <p:clrMapOvr>
+    <a:masterClrMapping/>
+  </p:clrMapOvr>
+</p:sld>
+</file>
+
+<file path=ppt/slides/slide6.xml><?xml version="1.0" encoding="utf-8"?>
+<p:sld xmlns:a="http://schemas.openxmlformats.org/drawingml/2006/main" xmlns:r="http://schemas.openxmlformats.org/officeDocument/2006/relationships" xmlns:p="http://schemas.openxmlformats.org/presentationml/2006/main">
+  <p:cSld>
+    <p:spTree>
+      <p:nvGrpSpPr>
+        <p:cNvPr id="1" name=""/>
+        <p:cNvGrpSpPr/>
+        <p:nvPr/>
+      </p:nvGrpSpPr>
+      <p:grpSpPr>
+        <a:xfrm>
+          <a:off x="0" y="0"/>
+          <a:ext cx="0" cy="0"/>
+          <a:chOff x="0" y="0"/>
+          <a:chExt cx="0" cy="0"/>
+        </a:xfrm>
+      </p:grpSpPr>
+      <p:sp>
+        <p:nvSpPr>
+          <p:cNvPr id="2" name="Title 1"/>
+          <p:cNvSpPr>
+            <a:spLocks noGrp="1"/>
+          </p:cNvSpPr>
+          <p:nvPr>
+            <p:ph type="title"/>
+          </p:nvPr>
+        </p:nvSpPr>
+        <p:spPr/>
+        <p:txBody>
+          <a:bodyPr/>
+          <a:lstStyle/>
+          <a:p>
+            <a:r>
+              <a:rPr lang="en-GB" dirty="0" smtClean="0"/>
+              <a:t>Possible USP</a:t>
+            </a:r>
+            <a:endParaRPr lang="en-GB" dirty="0"/>
+          </a:p>
+        </p:txBody>
+      </p:sp>
+      <p:sp>
+        <p:nvSpPr>
+          <p:cNvPr id="3" name="Content Placeholder 2"/>
+          <p:cNvSpPr>
+            <a:spLocks noGrp="1"/>
+          </p:cNvSpPr>
+          <p:nvPr>
+            <p:ph idx="1"/>
+          </p:nvPr>
+        </p:nvSpPr>
+        <p:spPr/>
+        <p:txBody>
+          <a:bodyPr>
+            <a:normAutofit/>
+          </a:bodyPr>
+          <a:lstStyle/>
+          <a:p>
+            <a:r>
+              <a:rPr lang="en-GB" sz="2400" dirty="0" smtClean="0"/>
+              <a:t>More than one player can play together in one scene and can either play against the system and see how far up the road they can get to.</a:t>
+            </a:r>
+          </a:p>
+          <a:p>
+            <a:r>
+              <a:rPr lang="en-GB" sz="2400" dirty="0" smtClean="0"/>
+              <a:t>Or players can play against each other and try to destroy each other using the environment scene given.  </a:t>
+            </a:r>
+            <a:endParaRPr lang="en-GB" sz="2400" dirty="0"/>
+          </a:p>
+        </p:txBody>
+      </p:sp>
+    </p:spTree>
+    <p:extLst>
+      <p:ext uri="{BB962C8B-B14F-4D97-AF65-F5344CB8AC3E}">
+        <p14:creationId xmlns:p14="http://schemas.microsoft.com/office/powerpoint/2010/main" val="2590036321"/>
+      </p:ext>
+    </p:extLst>
+  </p:cSld>
+  <p:clrMapOvr>
+    <a:masterClrMapping/>
+  </p:clrMapOvr>
+</p:sld>
+</file>
+
+<file path=ppt/slides/slide7.xml><?xml version="1.0" encoding="utf-8"?>
 <p:sld xmlns:a="http://schemas.openxmlformats.org/drawingml/2006/main" xmlns:r="http://schemas.openxmlformats.org/officeDocument/2006/relationships" xmlns:p="http://schemas.openxmlformats.org/presentationml/2006/main">
   <p:cSld>
     <p:spTree>
@@ -4205,89 +5103,10 @@
           <a:lstStyle/>
           <a:p>
             <a:r>
-              <a:rPr lang="en-GB" dirty="0" smtClean="0">
-                <a:solidFill>
-                  <a:srgbClr val="FF0000"/>
-                </a:solidFill>
-              </a:rPr>
+              <a:rPr lang="en-GB" dirty="0" smtClean="0"/>
               <a:t>Third Person Racing Games </a:t>
             </a:r>
-            <a:endParaRPr lang="en-GB" dirty="0">
-              <a:solidFill>
-                <a:srgbClr val="FF0000"/>
-              </a:solidFill>
-            </a:endParaRPr>
-          </a:p>
-        </p:txBody>
-      </p:sp>
-      <p:sp>
-        <p:nvSpPr>
-          <p:cNvPr id="3" name="Content Placeholder 2"/>
-          <p:cNvSpPr>
-            <a:spLocks noGrp="1"/>
-          </p:cNvSpPr>
-          <p:nvPr>
-            <p:ph idx="1"/>
-          </p:nvPr>
-        </p:nvSpPr>
-        <p:spPr/>
-        <p:txBody>
-          <a:bodyPr/>
-          <a:lstStyle/>
-          <a:p>
-            <a:r>
-              <a:rPr lang="en-GB" dirty="0" smtClean="0">
-                <a:solidFill>
-                  <a:srgbClr val="FF0000"/>
-                </a:solidFill>
-              </a:rPr>
-              <a:t>These games tend o be either:</a:t>
-            </a:r>
-          </a:p>
-          <a:p>
-            <a:r>
-              <a:rPr lang="en-GB" dirty="0" smtClean="0">
-                <a:solidFill>
-                  <a:srgbClr val="FF0000"/>
-                </a:solidFill>
-              </a:rPr>
-              <a:t>Endless runner collecting coins</a:t>
-            </a:r>
-          </a:p>
-          <a:p>
-            <a:r>
-              <a:rPr lang="en-GB" dirty="0" smtClean="0">
-                <a:solidFill>
-                  <a:srgbClr val="FF0000"/>
-                </a:solidFill>
-              </a:rPr>
-              <a:t>Car parking, driving simulations</a:t>
-            </a:r>
-          </a:p>
-          <a:p>
-            <a:r>
-              <a:rPr lang="en-GB" dirty="0" smtClean="0">
-                <a:solidFill>
-                  <a:srgbClr val="FF0000"/>
-                </a:solidFill>
-              </a:rPr>
-              <a:t>Sprint/circuit racing</a:t>
-            </a:r>
-          </a:p>
-          <a:p>
-            <a:r>
-              <a:rPr lang="en-GB" dirty="0" smtClean="0">
-                <a:solidFill>
-                  <a:srgbClr val="FF0000"/>
-                </a:solidFill>
-              </a:rPr>
-              <a:t>Some of these games have multiplayer making them very competitive.</a:t>
-            </a:r>
-            <a:endParaRPr lang="en-GB" dirty="0">
-              <a:solidFill>
-                <a:srgbClr val="FF0000"/>
-              </a:solidFill>
-            </a:endParaRPr>
+            <a:endParaRPr lang="en-GB" dirty="0"/>
           </a:p>
         </p:txBody>
       </p:sp>
@@ -4304,7 +5123,7 @@
 </p:sld>
 </file>
 
-<file path=ppt/slides/slide4.xml><?xml version="1.0" encoding="utf-8"?>
+<file path=ppt/slides/slide8.xml><?xml version="1.0" encoding="utf-8"?>
 <p:sld xmlns:a="http://schemas.openxmlformats.org/drawingml/2006/main" xmlns:r="http://schemas.openxmlformats.org/officeDocument/2006/relationships" xmlns:p="http://schemas.openxmlformats.org/presentationml/2006/main">
   <p:cSld>
     <p:spTree>
@@ -4338,7 +5157,7 @@
           <a:p>
             <a:r>
               <a:rPr lang="en-GB" dirty="0" smtClean="0"/>
-              <a:t>Game Demographics 2014</a:t>
+              <a:t>Third Person Analysis</a:t>
             </a:r>
             <a:endParaRPr lang="en-GB" dirty="0"/>
           </a:p>
@@ -4356,99 +5175,62 @@
         </p:nvSpPr>
         <p:spPr/>
         <p:txBody>
-          <a:bodyPr>
-            <a:normAutofit/>
-          </a:bodyPr>
-          <a:lstStyle/>
-          <a:p>
-            <a:r>
-              <a:rPr lang="en-GB" sz="2000" dirty="0" smtClean="0"/>
-              <a:t>47% of gamers are women in America</a:t>
-            </a:r>
-          </a:p>
-          <a:p>
-            <a:r>
-              <a:rPr lang="en-GB" sz="2000" dirty="0" smtClean="0"/>
-              <a:t>29% of gamers are over the age of 50 years old</a:t>
-            </a:r>
-          </a:p>
-          <a:p>
-            <a:r>
-              <a:rPr lang="en-GB" sz="2000" dirty="0" smtClean="0"/>
-              <a:t>16% of gamer kids play with parents</a:t>
-            </a:r>
-          </a:p>
-          <a:p>
-            <a:r>
-              <a:rPr lang="en-GB" sz="2000" dirty="0" smtClean="0"/>
-              <a:t>40% of gamer kids with friends</a:t>
-            </a:r>
-          </a:p>
-          <a:p>
-            <a:r>
-              <a:rPr lang="en-GB" sz="2000" dirty="0" smtClean="0"/>
-              <a:t>17% play with their spouse or carer </a:t>
-            </a:r>
-          </a:p>
-          <a:p>
-            <a:r>
-              <a:rPr lang="en-GB" sz="2000" dirty="0" smtClean="0"/>
-              <a:t>89% of parents watch over what there children purchase on games</a:t>
-            </a:r>
-          </a:p>
-          <a:p>
-            <a:r>
-              <a:rPr lang="en-GB" sz="2000" dirty="0"/>
-              <a:t>Average age of </a:t>
-            </a:r>
-            <a:r>
-              <a:rPr lang="en-GB" sz="2000" dirty="0" smtClean="0"/>
-              <a:t>players in America is 30 years old and 35 for the UK</a:t>
-            </a:r>
-          </a:p>
-          <a:p>
-            <a:r>
-              <a:rPr lang="en-GB" sz="2000" dirty="0"/>
-              <a:t>36% play games on their smart </a:t>
-            </a:r>
-            <a:r>
-              <a:rPr lang="en-GB" sz="2000" dirty="0" smtClean="0"/>
-              <a:t>phone/Tablet</a:t>
-            </a:r>
-          </a:p>
-          <a:p>
-            <a:r>
-              <a:rPr lang="en-GB" sz="2000" dirty="0" smtClean="0"/>
-              <a:t>32% of players are 18 years of age or less</a:t>
-            </a:r>
-          </a:p>
-          <a:p>
-            <a:endParaRPr lang="en-GB" sz="2000" dirty="0" smtClean="0"/>
-          </a:p>
-          <a:p>
-            <a:endParaRPr lang="en-GB" sz="2000" dirty="0" smtClean="0"/>
-          </a:p>
-          <a:p>
-            <a:endParaRPr lang="en-GB" sz="2000" dirty="0" smtClean="0"/>
-          </a:p>
-          <a:p>
-            <a:endParaRPr lang="en-GB" sz="2000" dirty="0" smtClean="0"/>
-          </a:p>
-          <a:p>
-            <a:endParaRPr lang="en-GB" sz="2000" dirty="0" smtClean="0"/>
-          </a:p>
-          <a:p>
-            <a:endParaRPr lang="en-GB" sz="2000" dirty="0" smtClean="0"/>
-          </a:p>
-          <a:p>
-            <a:endParaRPr lang="en-GB" sz="2000" dirty="0"/>
+          <a:bodyPr/>
+          <a:lstStyle/>
+          <a:p>
+            <a:r>
+              <a:rPr lang="en-GB" sz="2400" dirty="0"/>
+              <a:t>These games tend o be either:</a:t>
+            </a:r>
+          </a:p>
+          <a:p>
+            <a:r>
+              <a:rPr lang="en-GB" sz="2400" dirty="0"/>
+              <a:t>Endless runner collecting coins</a:t>
+            </a:r>
+          </a:p>
+          <a:p>
+            <a:r>
+              <a:rPr lang="en-GB" sz="2400" dirty="0"/>
+              <a:t>Car parking, driving simulations</a:t>
+            </a:r>
+          </a:p>
+          <a:p>
+            <a:r>
+              <a:rPr lang="en-GB" sz="2400" dirty="0"/>
+              <a:t>Sprint/circuit racing</a:t>
+            </a:r>
+          </a:p>
+          <a:p>
+            <a:r>
+              <a:rPr lang="en-GB" sz="2400" dirty="0" smtClean="0"/>
+              <a:t>multiplayer option making </a:t>
+            </a:r>
+            <a:r>
+              <a:rPr lang="en-GB" sz="2400" dirty="0"/>
+              <a:t>them very competitive</a:t>
+            </a:r>
+            <a:r>
+              <a:rPr lang="en-GB" sz="2400" dirty="0" smtClean="0"/>
+              <a:t>.</a:t>
+            </a:r>
+          </a:p>
+          <a:p>
+            <a:r>
+              <a:rPr lang="en-GB" sz="2400" dirty="0" smtClean="0"/>
+              <a:t>Usually 3D based</a:t>
+            </a:r>
+            <a:endParaRPr lang="en-GB" sz="2400" dirty="0"/>
+          </a:p>
+          <a:p>
+            <a:endParaRPr lang="en-GB" dirty="0"/>
           </a:p>
         </p:txBody>
       </p:sp>
     </p:spTree>
     <p:extLst>
       <p:ext uri="{BB962C8B-B14F-4D97-AF65-F5344CB8AC3E}">
-        <p14:creationId xmlns:p14="http://schemas.microsoft.com/office/powerpoint/2010/main" val="3037706538"/>
+        <p14:creationId xmlns:p14="http://schemas.microsoft.com/office/powerpoint/2010/main" val="2395047215"/>
       </p:ext>
     </p:extLst>
   </p:cSld>
@@ -4458,7 +5240,7 @@
 </p:sld>
 </file>
 
-<file path=ppt/slides/slide5.xml><?xml version="1.0" encoding="utf-8"?>
+<file path=ppt/slides/slide9.xml><?xml version="1.0" encoding="utf-8"?>
 <p:sld xmlns:a="http://schemas.openxmlformats.org/drawingml/2006/main" xmlns:r="http://schemas.openxmlformats.org/officeDocument/2006/relationships" xmlns:p="http://schemas.openxmlformats.org/presentationml/2006/main">
   <p:cSld>
     <p:spTree>
@@ -4492,7 +5274,7 @@
           <a:p>
             <a:r>
               <a:rPr lang="en-GB" dirty="0" smtClean="0"/>
-              <a:t>Game Demographics 2015  </a:t>
+              <a:t>Unique Properties </a:t>
             </a:r>
             <a:endParaRPr lang="en-GB" dirty="0"/>
           </a:p>
@@ -4516,186 +5298,41 @@
           <a:lstStyle/>
           <a:p>
             <a:r>
-              <a:rPr lang="en-GB" sz="2000" dirty="0" smtClean="0"/>
-              <a:t>29% of gamers are 18 years old or less</a:t>
-            </a:r>
-          </a:p>
-          <a:p>
-            <a:r>
-              <a:rPr lang="en-GB" sz="2000" dirty="0" smtClean="0"/>
-              <a:t>The average age of gamers in America are 31 years old</a:t>
-            </a:r>
-          </a:p>
-          <a:p>
-            <a:r>
-              <a:rPr lang="en-GB" sz="2000" dirty="0" smtClean="0"/>
-              <a:t>74% of teachers use game related methods to teach.</a:t>
-            </a:r>
-          </a:p>
-          <a:p>
-            <a:r>
-              <a:rPr lang="en-GB" sz="2000" dirty="0" smtClean="0"/>
-              <a:t>48% of gamers in America are female and male is 52%</a:t>
-            </a:r>
-          </a:p>
-          <a:p>
-            <a:r>
-              <a:rPr lang="en-GB" sz="2000" dirty="0" smtClean="0"/>
-              <a:t>In the UK female games has risen to 52%. </a:t>
-            </a:r>
-          </a:p>
-          <a:p>
-            <a:r>
-              <a:rPr lang="en-GB" sz="2000" dirty="0" smtClean="0"/>
-              <a:t>Mobile games made 30.3 billion dollars</a:t>
-            </a:r>
-          </a:p>
-          <a:p>
-            <a:r>
-              <a:rPr lang="en-GB" sz="2000" dirty="0" smtClean="0"/>
-              <a:t>Ages 35-44 spent the most on games ($6 per person per month)</a:t>
-            </a:r>
-          </a:p>
-          <a:p>
-            <a:r>
-              <a:rPr lang="en-GB" sz="2000" dirty="0" smtClean="0"/>
-              <a:t>YouTube gaming channels make 3.5 billion </a:t>
-            </a:r>
-          </a:p>
-          <a:p>
-            <a:r>
-              <a:rPr lang="en-GB" sz="2000" dirty="0" smtClean="0"/>
-              <a:t>71 million people watch competitive gaming</a:t>
-            </a:r>
-          </a:p>
-          <a:p>
-            <a:endParaRPr lang="en-GB" sz="2000" dirty="0" smtClean="0"/>
-          </a:p>
-          <a:p>
-            <a:endParaRPr lang="en-GB" sz="2000" dirty="0"/>
+              <a:rPr lang="en-GB" sz="2400" dirty="0" smtClean="0"/>
+              <a:t>Vehicle Customisation available to the players</a:t>
+            </a:r>
+          </a:p>
+          <a:p>
+            <a:r>
+              <a:rPr lang="en-GB" sz="2400" dirty="0" smtClean="0"/>
+              <a:t>Players can use coins/ gems to purchase upgrades</a:t>
+            </a:r>
+          </a:p>
+          <a:p>
+            <a:r>
+              <a:rPr lang="en-GB" sz="2400" dirty="0" smtClean="0"/>
+              <a:t>Parking simulations can be very competitive yet easy to make</a:t>
+            </a:r>
+          </a:p>
+          <a:p>
+            <a:r>
+              <a:rPr lang="en-GB" sz="2400" dirty="0" smtClean="0"/>
+              <a:t>An 2.5 environment  is possible</a:t>
+            </a:r>
+          </a:p>
+          <a:p>
+            <a:r>
+              <a:rPr lang="en-GB" sz="2400" dirty="0" smtClean="0"/>
+              <a:t>Varity of HUD components that can be used </a:t>
+            </a:r>
+            <a:endParaRPr lang="en-GB" sz="2400" dirty="0"/>
           </a:p>
         </p:txBody>
       </p:sp>
     </p:spTree>
     <p:extLst>
       <p:ext uri="{BB962C8B-B14F-4D97-AF65-F5344CB8AC3E}">
-        <p14:creationId xmlns:p14="http://schemas.microsoft.com/office/powerpoint/2010/main" val="900284867"/>
-      </p:ext>
-    </p:extLst>
-  </p:cSld>
-  <p:clrMapOvr>
-    <a:masterClrMapping/>
-  </p:clrMapOvr>
-</p:sld>
-</file>
-
-<file path=ppt/slides/slide6.xml><?xml version="1.0" encoding="utf-8"?>
-<p:sld xmlns:a="http://schemas.openxmlformats.org/drawingml/2006/main" xmlns:r="http://schemas.openxmlformats.org/officeDocument/2006/relationships" xmlns:p="http://schemas.openxmlformats.org/presentationml/2006/main">
-  <p:cSld>
-    <p:spTree>
-      <p:nvGrpSpPr>
-        <p:cNvPr id="1" name=""/>
-        <p:cNvGrpSpPr/>
-        <p:nvPr/>
-      </p:nvGrpSpPr>
-      <p:grpSpPr>
-        <a:xfrm>
-          <a:off x="0" y="0"/>
-          <a:ext cx="0" cy="0"/>
-          <a:chOff x="0" y="0"/>
-          <a:chExt cx="0" cy="0"/>
-        </a:xfrm>
-      </p:grpSpPr>
-      <p:sp>
-        <p:nvSpPr>
-          <p:cNvPr id="2" name="Title 1"/>
-          <p:cNvSpPr>
-            <a:spLocks noGrp="1"/>
-          </p:cNvSpPr>
-          <p:nvPr>
-            <p:ph type="title"/>
-          </p:nvPr>
-        </p:nvSpPr>
-        <p:spPr/>
-        <p:txBody>
-          <a:bodyPr>
-            <a:normAutofit/>
-          </a:bodyPr>
-          <a:lstStyle/>
-          <a:p>
-            <a:r>
-              <a:rPr lang="en-GB" sz="4000" dirty="0" smtClean="0"/>
-              <a:t>Recommended Target Audience</a:t>
-            </a:r>
-            <a:endParaRPr lang="en-GB" sz="4000" dirty="0"/>
-          </a:p>
-        </p:txBody>
-      </p:sp>
-      <p:sp>
-        <p:nvSpPr>
-          <p:cNvPr id="3" name="Content Placeholder 2"/>
-          <p:cNvSpPr>
-            <a:spLocks noGrp="1"/>
-          </p:cNvSpPr>
-          <p:nvPr>
-            <p:ph idx="1"/>
-          </p:nvPr>
-        </p:nvSpPr>
-        <p:spPr/>
-        <p:txBody>
-          <a:bodyPr/>
-          <a:lstStyle/>
-          <a:p>
-            <a:r>
-              <a:rPr lang="en-GB" dirty="0" smtClean="0"/>
-              <a:t>Male and Female gamers aged between 25-35 who play on </a:t>
-            </a:r>
-            <a:r>
-              <a:rPr lang="en-GB" smtClean="0"/>
-              <a:t>their phones/tablets.</a:t>
-            </a:r>
-            <a:endParaRPr lang="en-GB" dirty="0" smtClean="0"/>
-          </a:p>
-          <a:p>
-            <a:pPr marL="0" indent="0">
-              <a:buNone/>
-            </a:pPr>
-            <a:endParaRPr lang="en-GB" dirty="0" smtClean="0"/>
-          </a:p>
-          <a:p>
-            <a:r>
-              <a:rPr lang="en-GB" sz="2400" dirty="0" smtClean="0"/>
-              <a:t>This is due to:</a:t>
-            </a:r>
-          </a:p>
-          <a:p>
-            <a:r>
-              <a:rPr lang="en-GB" sz="2400" dirty="0" smtClean="0"/>
-              <a:t>The average gamer age in the US and UK</a:t>
-            </a:r>
-          </a:p>
-          <a:p>
-            <a:r>
-              <a:rPr lang="en-GB" sz="2400" dirty="0" smtClean="0"/>
-              <a:t>Male and Female gamers ratio is even</a:t>
-            </a:r>
-            <a:endParaRPr lang="en-GB" dirty="0" smtClean="0"/>
-          </a:p>
-          <a:p>
-            <a:r>
-              <a:rPr lang="en-GB" sz="2400" dirty="0" smtClean="0"/>
-              <a:t>Mobile apps are more profitable</a:t>
-            </a:r>
-          </a:p>
-          <a:p>
-            <a:endParaRPr lang="en-GB" sz="2400" dirty="0" smtClean="0"/>
-          </a:p>
-        </p:txBody>
-      </p:sp>
-    </p:spTree>
-    <p:extLst>
-      <p:ext uri="{BB962C8B-B14F-4D97-AF65-F5344CB8AC3E}">
-        <p14:creationId xmlns:p14="http://schemas.microsoft.com/office/powerpoint/2010/main" val="1981688946"/>
+        <p14:creationId xmlns:p14="http://schemas.microsoft.com/office/powerpoint/2010/main" val="2084123808"/>
       </p:ext>
     </p:extLst>
   </p:cSld>
